--- a/docs/Modernized Developer's Workflow.pptx
+++ b/docs/Modernized Developer's Workflow.pptx
@@ -2835,7 +2835,7 @@
           <a:p>
             <a:pPr/>
             <a:r>
-              <a:t>MWLUG 2014</a:t>
+              <a:t>MWLUG 2016</a:t>
             </a:r>
           </a:p>
         </p:txBody>
